--- a/赫桑的算法宝典/3.经典面试题/06.技术文章/Design Patterns and OOD.pptx
+++ b/赫桑的算法宝典/3.经典面试题/06.技术文章/Design Patterns and OOD.pptx
@@ -6,31 +6,32 @@
   </p:sldMasterIdLst>
   <p:sldIdLst>
     <p:sldId id="256" r:id="rId2"/>
-    <p:sldId id="258" r:id="rId3"/>
-    <p:sldId id="259" r:id="rId4"/>
-    <p:sldId id="260" r:id="rId5"/>
-    <p:sldId id="261" r:id="rId6"/>
-    <p:sldId id="262" r:id="rId7"/>
-    <p:sldId id="263" r:id="rId8"/>
-    <p:sldId id="264" r:id="rId9"/>
-    <p:sldId id="265" r:id="rId10"/>
-    <p:sldId id="266" r:id="rId11"/>
-    <p:sldId id="267" r:id="rId12"/>
-    <p:sldId id="268" r:id="rId13"/>
-    <p:sldId id="269" r:id="rId14"/>
-    <p:sldId id="270" r:id="rId15"/>
-    <p:sldId id="271" r:id="rId16"/>
-    <p:sldId id="257" r:id="rId17"/>
-    <p:sldId id="272" r:id="rId18"/>
-    <p:sldId id="273" r:id="rId19"/>
-    <p:sldId id="274" r:id="rId20"/>
-    <p:sldId id="275" r:id="rId21"/>
-    <p:sldId id="276" r:id="rId22"/>
-    <p:sldId id="277" r:id="rId23"/>
-    <p:sldId id="278" r:id="rId24"/>
-    <p:sldId id="279" r:id="rId25"/>
-    <p:sldId id="280" r:id="rId26"/>
-    <p:sldId id="281" r:id="rId27"/>
+    <p:sldId id="282" r:id="rId3"/>
+    <p:sldId id="258" r:id="rId4"/>
+    <p:sldId id="259" r:id="rId5"/>
+    <p:sldId id="260" r:id="rId6"/>
+    <p:sldId id="261" r:id="rId7"/>
+    <p:sldId id="262" r:id="rId8"/>
+    <p:sldId id="263" r:id="rId9"/>
+    <p:sldId id="264" r:id="rId10"/>
+    <p:sldId id="265" r:id="rId11"/>
+    <p:sldId id="266" r:id="rId12"/>
+    <p:sldId id="267" r:id="rId13"/>
+    <p:sldId id="268" r:id="rId14"/>
+    <p:sldId id="269" r:id="rId15"/>
+    <p:sldId id="270" r:id="rId16"/>
+    <p:sldId id="271" r:id="rId17"/>
+    <p:sldId id="257" r:id="rId18"/>
+    <p:sldId id="272" r:id="rId19"/>
+    <p:sldId id="273" r:id="rId20"/>
+    <p:sldId id="274" r:id="rId21"/>
+    <p:sldId id="275" r:id="rId22"/>
+    <p:sldId id="276" r:id="rId23"/>
+    <p:sldId id="277" r:id="rId24"/>
+    <p:sldId id="278" r:id="rId25"/>
+    <p:sldId id="279" r:id="rId26"/>
+    <p:sldId id="280" r:id="rId27"/>
+    <p:sldId id="281" r:id="rId28"/>
   </p:sldIdLst>
   <p:sldSz cx="12192000" cy="6858000"/>
   <p:notesSz cx="6858000" cy="9144000"/>
@@ -3489,6 +3490,191 @@
       </p:grpSpPr>
       <p:sp>
         <p:nvSpPr>
+          <p:cNvPr id="2" name="TextBox 1">
+            <a:extLst>
+              <a:ext uri="{FF2B5EF4-FFF2-40B4-BE49-F238E27FC236}">
+                <a16:creationId xmlns:a16="http://schemas.microsoft.com/office/drawing/2014/main" id="{09A01E4F-6237-564C-CB13-E8B908363571}"/>
+              </a:ext>
+            </a:extLst>
+          </p:cNvPr>
+          <p:cNvSpPr txBox="1"/>
+          <p:nvPr/>
+        </p:nvSpPr>
+        <p:spPr>
+          <a:xfrm>
+            <a:off x="1667435" y="903642"/>
+            <a:ext cx="9184341" cy="1754326"/>
+          </a:xfrm>
+          <a:prstGeom prst="rect">
+            <a:avLst/>
+          </a:prstGeom>
+          <a:noFill/>
+        </p:spPr>
+        <p:txBody>
+          <a:bodyPr wrap="square" rtlCol="0">
+            <a:spAutoFit/>
+          </a:bodyPr>
+          <a:lstStyle/>
+          <a:p>
+            <a:pPr marL="285750" indent="-285750">
+              <a:buFont typeface="Arial" panose="020B0604020202020204" pitchFamily="34" charset="0"/>
+              <a:buChar char="•"/>
+            </a:pPr>
+            <a:r>
+              <a:rPr lang="zh-CN" altLang="en-US" sz="3600" dirty="0"/>
+              <a:t>解决方案：建立 </a:t>
+            </a:r>
+            <a:r>
+              <a:rPr lang="zh-CN" altLang="en-US" sz="3600" b="1" dirty="0"/>
+              <a:t>立体图形类 </a:t>
+            </a:r>
+            <a:r>
+              <a:rPr lang="zh-CN" altLang="en-US" sz="3600" dirty="0"/>
+              <a:t>和 </a:t>
+            </a:r>
+            <a:r>
+              <a:rPr lang="zh-CN" altLang="en-US" sz="3600" b="1" dirty="0"/>
+              <a:t>平面图形类</a:t>
+            </a:r>
+            <a:endParaRPr lang="en-CA" altLang="zh-CN" sz="3600" b="1" dirty="0"/>
+          </a:p>
+          <a:p>
+            <a:pPr marL="742950" lvl="1" indent="-285750">
+              <a:buFont typeface="Arial" panose="020B0604020202020204" pitchFamily="34" charset="0"/>
+              <a:buChar char="•"/>
+            </a:pPr>
+            <a:r>
+              <a:rPr lang="zh-CN" altLang="en-US" sz="3600" dirty="0"/>
+              <a:t>不用怕父类定义的多</a:t>
+            </a:r>
+            <a:endParaRPr lang="en-CA" altLang="zh-CN" sz="3600" dirty="0"/>
+          </a:p>
+          <a:p>
+            <a:pPr marL="742950" lvl="1" indent="-285750">
+              <a:buFont typeface="Arial" panose="020B0604020202020204" pitchFamily="34" charset="0"/>
+              <a:buChar char="•"/>
+            </a:pPr>
+            <a:endParaRPr lang="en-CA" sz="3600" b="1" dirty="0"/>
+          </a:p>
+        </p:txBody>
+      </p:sp>
+      <p:sp>
+        <p:nvSpPr>
+          <p:cNvPr id="3" name="Rectangle 2">
+            <a:extLst>
+              <a:ext uri="{FF2B5EF4-FFF2-40B4-BE49-F238E27FC236}">
+                <a16:creationId xmlns:a16="http://schemas.microsoft.com/office/drawing/2014/main" id="{DB6D8EAA-CD1B-4A41-C2E1-9F66982510C3}"/>
+              </a:ext>
+            </a:extLst>
+          </p:cNvPr>
+          <p:cNvSpPr/>
+          <p:nvPr/>
+        </p:nvSpPr>
+        <p:spPr>
+          <a:xfrm>
+            <a:off x="2194931" y="3957038"/>
+            <a:ext cx="7802137" cy="923330"/>
+          </a:xfrm>
+          <a:prstGeom prst="rect">
+            <a:avLst/>
+          </a:prstGeom>
+          <a:noFill/>
+        </p:spPr>
+        <p:txBody>
+          <a:bodyPr wrap="none" lIns="91440" tIns="45720" rIns="91440" bIns="45720">
+            <a:spAutoFit/>
+          </a:bodyPr>
+          <a:lstStyle/>
+          <a:p>
+            <a:pPr algn="ctr"/>
+            <a:r>
+              <a:rPr lang="zh-CN" altLang="en-US" sz="5400" dirty="0">
+                <a:ln w="0"/>
+                <a:gradFill>
+                  <a:gsLst>
+                    <a:gs pos="0">
+                      <a:schemeClr val="accent5">
+                        <a:lumMod val="50000"/>
+                      </a:schemeClr>
+                    </a:gs>
+                    <a:gs pos="50000">
+                      <a:schemeClr val="accent5"/>
+                    </a:gs>
+                    <a:gs pos="100000">
+                      <a:schemeClr val="accent5">
+                        <a:lumMod val="60000"/>
+                        <a:lumOff val="40000"/>
+                      </a:schemeClr>
+                    </a:gs>
+                  </a:gsLst>
+                  <a:lin ang="5400000"/>
+                </a:gradFill>
+                <a:effectLst>
+                  <a:reflection blurRad="6350" stA="53000" endA="300" endPos="35500" dir="5400000" sy="-90000" algn="bl" rotWithShape="0"/>
+                </a:effectLst>
+              </a:rPr>
+              <a:t>能不能再举一个例子呢？</a:t>
+            </a:r>
+            <a:endParaRPr lang="en-US" sz="5400" b="0" cap="none" spc="0" dirty="0">
+              <a:ln w="0"/>
+              <a:gradFill>
+                <a:gsLst>
+                  <a:gs pos="0">
+                    <a:schemeClr val="accent5">
+                      <a:lumMod val="50000"/>
+                    </a:schemeClr>
+                  </a:gs>
+                  <a:gs pos="50000">
+                    <a:schemeClr val="accent5"/>
+                  </a:gs>
+                  <a:gs pos="100000">
+                    <a:schemeClr val="accent5">
+                      <a:lumMod val="60000"/>
+                      <a:lumOff val="40000"/>
+                    </a:schemeClr>
+                  </a:gs>
+                </a:gsLst>
+                <a:lin ang="5400000"/>
+              </a:gradFill>
+              <a:effectLst>
+                <a:reflection blurRad="6350" stA="53000" endA="300" endPos="35500" dir="5400000" sy="-90000" algn="bl" rotWithShape="0"/>
+              </a:effectLst>
+            </a:endParaRPr>
+          </a:p>
+        </p:txBody>
+      </p:sp>
+    </p:spTree>
+    <p:extLst>
+      <p:ext uri="{BB962C8B-B14F-4D97-AF65-F5344CB8AC3E}">
+        <p14:creationId xmlns:p14="http://schemas.microsoft.com/office/powerpoint/2010/main" val="1231202972"/>
+      </p:ext>
+    </p:extLst>
+  </p:cSld>
+  <p:clrMapOvr>
+    <a:masterClrMapping/>
+  </p:clrMapOvr>
+</p:sld>
+</file>
+
+<file path=ppt/slides/slide11.xml><?xml version="1.0" encoding="utf-8"?>
+<p:sld xmlns:a="http://schemas.openxmlformats.org/drawingml/2006/main" xmlns:r="http://schemas.openxmlformats.org/officeDocument/2006/relationships" xmlns:p="http://schemas.openxmlformats.org/presentationml/2006/main">
+  <p:cSld>
+    <p:spTree>
+      <p:nvGrpSpPr>
+        <p:cNvPr id="1" name=""/>
+        <p:cNvGrpSpPr/>
+        <p:nvPr/>
+      </p:nvGrpSpPr>
+      <p:grpSpPr>
+        <a:xfrm>
+          <a:off x="0" y="0"/>
+          <a:ext cx="0" cy="0"/>
+          <a:chOff x="0" y="0"/>
+          <a:chExt cx="0" cy="0"/>
+        </a:xfrm>
+      </p:grpSpPr>
+      <p:sp>
+        <p:nvSpPr>
           <p:cNvPr id="2" name="Rectangle 1">
             <a:extLst>
               <a:ext uri="{FF2B5EF4-FFF2-40B4-BE49-F238E27FC236}">
@@ -3615,7 +3801,7 @@
         <p:spPr>
           <a:xfrm>
             <a:off x="957430" y="1564032"/>
-            <a:ext cx="6035041" cy="1697837"/>
+            <a:ext cx="8994953" cy="1697837"/>
           </a:xfrm>
           <a:prstGeom prst="rect">
             <a:avLst/>
@@ -3665,9 +3851,176 @@
             </a:pPr>
             <a:r>
               <a:rPr lang="zh-CN" altLang="en-US" sz="2400" b="1" dirty="0"/>
-              <a:t>父类：人类 （吃喝拉撒）</a:t>
+              <a:t>子类：机器人（</a:t>
+            </a:r>
+            <a:r>
+              <a:rPr lang="zh-CN" altLang="en-US" sz="2400" b="1" i="1" dirty="0"/>
+              <a:t>强迫 </a:t>
+            </a:r>
+            <a:r>
+              <a:rPr lang="zh-CN" altLang="en-US" sz="2400" b="1" dirty="0"/>
+              <a:t>吃喝拉撒）</a:t>
             </a:r>
             <a:endParaRPr lang="en-CA" sz="2400" b="1" dirty="0"/>
+          </a:p>
+        </p:txBody>
+      </p:sp>
+      <p:sp>
+        <p:nvSpPr>
+          <p:cNvPr id="5" name="Rectangle 4">
+            <a:extLst>
+              <a:ext uri="{FF2B5EF4-FFF2-40B4-BE49-F238E27FC236}">
+                <a16:creationId xmlns:a16="http://schemas.microsoft.com/office/drawing/2014/main" id="{A96C0710-10CD-E9C0-C26B-824041F6B80F}"/>
+              </a:ext>
+            </a:extLst>
+          </p:cNvPr>
+          <p:cNvSpPr/>
+          <p:nvPr/>
+        </p:nvSpPr>
+        <p:spPr>
+          <a:xfrm>
+            <a:off x="957430" y="4279301"/>
+            <a:ext cx="10143418" cy="584775"/>
+          </a:xfrm>
+          <a:prstGeom prst="rect">
+            <a:avLst/>
+          </a:prstGeom>
+          <a:noFill/>
+        </p:spPr>
+        <p:txBody>
+          <a:bodyPr wrap="none" lIns="91440" tIns="45720" rIns="91440" bIns="45720">
+            <a:spAutoFit/>
+          </a:bodyPr>
+          <a:lstStyle/>
+          <a:p>
+            <a:r>
+              <a:rPr lang="en-US" sz="3200" b="0" cap="none" spc="0" dirty="0">
+                <a:ln w="0"/>
+                <a:solidFill>
+                  <a:schemeClr val="accent1"/>
+                </a:solidFill>
+                <a:effectLst>
+                  <a:outerShdw blurRad="38100" dist="25400" dir="5400000" algn="ctr" rotWithShape="0">
+                    <a:srgbClr val="6E747A">
+                      <a:alpha val="43000"/>
+                    </a:srgbClr>
+                  </a:outerShdw>
+                </a:effectLst>
+              </a:rPr>
+              <a:t>What’s the difference between </a:t>
+            </a:r>
+            <a:r>
+              <a:rPr lang="en-US" sz="3200" b="0" i="1" cap="none" spc="0" dirty="0">
+                <a:ln w="0"/>
+                <a:solidFill>
+                  <a:schemeClr val="accent2"/>
+                </a:solidFill>
+                <a:effectLst>
+                  <a:outerShdw blurRad="38100" dist="25400" dir="5400000" algn="ctr" rotWithShape="0">
+                    <a:srgbClr val="6E747A">
+                      <a:alpha val="43000"/>
+                    </a:srgbClr>
+                  </a:outerShdw>
+                </a:effectLst>
+              </a:rPr>
+              <a:t>abstract</a:t>
+            </a:r>
+            <a:r>
+              <a:rPr lang="en-US" sz="3200" b="0" i="1" cap="none" spc="0" dirty="0">
+                <a:ln w="0"/>
+                <a:solidFill>
+                  <a:schemeClr val="accent1"/>
+                </a:solidFill>
+                <a:effectLst>
+                  <a:outerShdw blurRad="38100" dist="25400" dir="5400000" algn="ctr" rotWithShape="0">
+                    <a:srgbClr val="6E747A">
+                      <a:alpha val="43000"/>
+                    </a:srgbClr>
+                  </a:outerShdw>
+                </a:effectLst>
+              </a:rPr>
+              <a:t> </a:t>
+            </a:r>
+            <a:r>
+              <a:rPr lang="en-US" sz="3200" b="0" i="1" cap="none" spc="0" dirty="0">
+                <a:ln w="0"/>
+                <a:solidFill>
+                  <a:schemeClr val="accent2"/>
+                </a:solidFill>
+                <a:effectLst>
+                  <a:outerShdw blurRad="38100" dist="25400" dir="5400000" algn="ctr" rotWithShape="0">
+                    <a:srgbClr val="6E747A">
+                      <a:alpha val="43000"/>
+                    </a:srgbClr>
+                  </a:outerShdw>
+                </a:effectLst>
+              </a:rPr>
+              <a:t>class</a:t>
+            </a:r>
+            <a:r>
+              <a:rPr lang="en-US" sz="3200" b="0" i="1" cap="none" spc="0" dirty="0">
+                <a:ln w="0"/>
+                <a:solidFill>
+                  <a:schemeClr val="accent1"/>
+                </a:solidFill>
+                <a:effectLst>
+                  <a:outerShdw blurRad="38100" dist="25400" dir="5400000" algn="ctr" rotWithShape="0">
+                    <a:srgbClr val="6E747A">
+                      <a:alpha val="43000"/>
+                    </a:srgbClr>
+                  </a:outerShdw>
+                </a:effectLst>
+              </a:rPr>
+              <a:t> </a:t>
+            </a:r>
+            <a:r>
+              <a:rPr lang="en-US" sz="3200" b="0" cap="none" spc="0" dirty="0">
+                <a:ln w="0"/>
+                <a:solidFill>
+                  <a:schemeClr val="accent1"/>
+                </a:solidFill>
+                <a:effectLst>
+                  <a:outerShdw blurRad="38100" dist="25400" dir="5400000" algn="ctr" rotWithShape="0">
+                    <a:srgbClr val="6E747A">
+                      <a:alpha val="43000"/>
+                    </a:srgbClr>
+                  </a:outerShdw>
+                </a:effectLst>
+              </a:rPr>
+              <a:t>and </a:t>
+            </a:r>
+            <a:r>
+              <a:rPr lang="en-US" sz="3200" b="0" i="1" cap="none" spc="0" dirty="0">
+                <a:ln w="0"/>
+                <a:solidFill>
+                  <a:schemeClr val="accent2"/>
+                </a:solidFill>
+                <a:effectLst>
+                  <a:outerShdw blurRad="38100" dist="25400" dir="5400000" algn="ctr" rotWithShape="0">
+                    <a:srgbClr val="6E747A">
+                      <a:alpha val="43000"/>
+                    </a:srgbClr>
+                  </a:outerShdw>
+                </a:effectLst>
+              </a:rPr>
+              <a:t>interface</a:t>
+            </a:r>
+            <a:r>
+              <a:rPr lang="en-US" sz="3200" b="0" cap="none" spc="0" dirty="0">
+                <a:ln w="0"/>
+                <a:solidFill>
+                  <a:schemeClr val="accent1"/>
+                </a:solidFill>
+                <a:effectLst>
+                  <a:outerShdw blurRad="38100" dist="25400" dir="5400000" algn="ctr" rotWithShape="0">
+                    <a:srgbClr val="6E747A">
+                      <a:alpha val="43000"/>
+                    </a:srgbClr>
+                  </a:outerShdw>
+                </a:effectLst>
+              </a:rPr>
+              <a:t>?</a:t>
+            </a:r>
           </a:p>
         </p:txBody>
       </p:sp>
@@ -3684,7 +4037,7 @@
 </p:sld>
 </file>
 
-<file path=ppt/slides/slide11.xml><?xml version="1.0" encoding="utf-8"?>
+<file path=ppt/slides/slide12.xml><?xml version="1.0" encoding="utf-8"?>
 <p:sld xmlns:a="http://schemas.openxmlformats.org/drawingml/2006/main" xmlns:r="http://schemas.openxmlformats.org/officeDocument/2006/relationships" xmlns:p="http://schemas.openxmlformats.org/presentationml/2006/main">
   <p:cSld>
     <p:bg>
@@ -3914,22 +4267,22 @@
               <a:buChar char="•"/>
             </a:pPr>
             <a:r>
-              <a:rPr lang="en-US" sz="2000" dirty="0"/>
-              <a:t>High-level</a:t>
-            </a:r>
-            <a:r>
-              <a:rPr lang="zh-CN" altLang="en-US" sz="2000" dirty="0"/>
+              <a:rPr lang="en-US" sz="2000" b="1" dirty="0"/>
+              <a:t>High-level </a:t>
+            </a:r>
+            <a:r>
+              <a:rPr lang="zh-CN" altLang="en-US" sz="2000" b="1" dirty="0"/>
               <a:t>的实体不应该依赖于</a:t>
             </a:r>
             <a:r>
-              <a:rPr lang="en-US" sz="2000" dirty="0"/>
-              <a:t>low-level</a:t>
-            </a:r>
-            <a:r>
-              <a:rPr lang="zh-CN" altLang="en-US" sz="2000" dirty="0"/>
+              <a:rPr lang="en-US" sz="2000" b="1" dirty="0"/>
+              <a:t>low-level </a:t>
+            </a:r>
+            <a:r>
+              <a:rPr lang="zh-CN" altLang="en-US" sz="2000" b="1" dirty="0"/>
               <a:t>的实体</a:t>
             </a:r>
-            <a:endParaRPr lang="en-US" sz="2000" dirty="0"/>
+            <a:endParaRPr lang="en-US" sz="2000" b="1" dirty="0"/>
           </a:p>
         </p:txBody>
       </p:sp>
@@ -4296,7 +4649,7 @@
 </p:sld>
 </file>
 
-<file path=ppt/slides/slide12.xml><?xml version="1.0" encoding="utf-8"?>
+<file path=ppt/slides/slide13.xml><?xml version="1.0" encoding="utf-8"?>
 <p:sld xmlns:a="http://schemas.openxmlformats.org/drawingml/2006/main" xmlns:r="http://schemas.openxmlformats.org/officeDocument/2006/relationships" xmlns:p="http://schemas.openxmlformats.org/presentationml/2006/main">
   <p:cSld>
     <p:bg>
@@ -4883,7 +5236,7 @@
 </p:sld>
 </file>
 
-<file path=ppt/slides/slide13.xml><?xml version="1.0" encoding="utf-8"?>
+<file path=ppt/slides/slide14.xml><?xml version="1.0" encoding="utf-8"?>
 <p:sld xmlns:a="http://schemas.openxmlformats.org/drawingml/2006/main" xmlns:r="http://schemas.openxmlformats.org/officeDocument/2006/relationships" xmlns:p="http://schemas.openxmlformats.org/presentationml/2006/main">
   <p:cSld>
     <p:spTree>
@@ -5080,7 +5433,7 @@
 </p:sld>
 </file>
 
-<file path=ppt/slides/slide14.xml><?xml version="1.0" encoding="utf-8"?>
+<file path=ppt/slides/slide15.xml><?xml version="1.0" encoding="utf-8"?>
 <p:sld xmlns:a="http://schemas.openxmlformats.org/drawingml/2006/main" xmlns:r="http://schemas.openxmlformats.org/officeDocument/2006/relationships" xmlns:p="http://schemas.openxmlformats.org/presentationml/2006/main">
   <p:cSld>
     <p:spTree>
@@ -5272,7 +5625,7 @@
 </p:sld>
 </file>
 
-<file path=ppt/slides/slide15.xml><?xml version="1.0" encoding="utf-8"?>
+<file path=ppt/slides/slide16.xml><?xml version="1.0" encoding="utf-8"?>
 <p:sld xmlns:a="http://schemas.openxmlformats.org/drawingml/2006/main" xmlns:r="http://schemas.openxmlformats.org/officeDocument/2006/relationships" xmlns:p="http://schemas.openxmlformats.org/presentationml/2006/main">
   <p:cSld>
     <p:spTree>
@@ -5777,7 +6130,7 @@
 </p:sld>
 </file>
 
-<file path=ppt/slides/slide16.xml><?xml version="1.0" encoding="utf-8"?>
+<file path=ppt/slides/slide17.xml><?xml version="1.0" encoding="utf-8"?>
 <p:sld xmlns:a="http://schemas.openxmlformats.org/drawingml/2006/main" xmlns:r="http://schemas.openxmlformats.org/officeDocument/2006/relationships" xmlns:p="http://schemas.openxmlformats.org/presentationml/2006/main">
   <p:cSld>
     <p:spTree>
@@ -6045,7 +6398,7 @@
 </p:sld>
 </file>
 
-<file path=ppt/slides/slide17.xml><?xml version="1.0" encoding="utf-8"?>
+<file path=ppt/slides/slide18.xml><?xml version="1.0" encoding="utf-8"?>
 <p:sld xmlns:a="http://schemas.openxmlformats.org/drawingml/2006/main" xmlns:r="http://schemas.openxmlformats.org/officeDocument/2006/relationships" xmlns:p="http://schemas.openxmlformats.org/presentationml/2006/main">
   <p:cSld>
     <p:spTree>
@@ -6466,7 +6819,7 @@
 </p:sld>
 </file>
 
-<file path=ppt/slides/slide18.xml><?xml version="1.0" encoding="utf-8"?>
+<file path=ppt/slides/slide19.xml><?xml version="1.0" encoding="utf-8"?>
 <p:sld xmlns:a="http://schemas.openxmlformats.org/drawingml/2006/main" xmlns:r="http://schemas.openxmlformats.org/officeDocument/2006/relationships" xmlns:p="http://schemas.openxmlformats.org/presentationml/2006/main">
   <p:cSld>
     <p:bg>
@@ -7086,7 +7439,131 @@
 </p:sld>
 </file>
 
-<file path=ppt/slides/slide19.xml><?xml version="1.0" encoding="utf-8"?>
+<file path=ppt/slides/slide2.xml><?xml version="1.0" encoding="utf-8"?>
+<p:sld xmlns:a="http://schemas.openxmlformats.org/drawingml/2006/main" xmlns:r="http://schemas.openxmlformats.org/officeDocument/2006/relationships" xmlns:p="http://schemas.openxmlformats.org/presentationml/2006/main">
+  <p:cSld>
+    <p:spTree>
+      <p:nvGrpSpPr>
+        <p:cNvPr id="1" name=""/>
+        <p:cNvGrpSpPr/>
+        <p:nvPr/>
+      </p:nvGrpSpPr>
+      <p:grpSpPr>
+        <a:xfrm>
+          <a:off x="0" y="0"/>
+          <a:ext cx="0" cy="0"/>
+          <a:chOff x="0" y="0"/>
+          <a:chExt cx="0" cy="0"/>
+        </a:xfrm>
+      </p:grpSpPr>
+      <p:sp>
+        <p:nvSpPr>
+          <p:cNvPr id="2" name="Title 1">
+            <a:extLst>
+              <a:ext uri="{FF2B5EF4-FFF2-40B4-BE49-F238E27FC236}">
+                <a16:creationId xmlns:a16="http://schemas.microsoft.com/office/drawing/2014/main" id="{26A337FA-53C6-3BA9-85BC-CCA6EFB07DB5}"/>
+              </a:ext>
+            </a:extLst>
+          </p:cNvPr>
+          <p:cNvSpPr>
+            <a:spLocks noGrp="1"/>
+          </p:cNvSpPr>
+          <p:nvPr>
+            <p:ph type="title"/>
+          </p:nvPr>
+        </p:nvSpPr>
+        <p:spPr/>
+        <p:txBody>
+          <a:bodyPr/>
+          <a:lstStyle/>
+          <a:p>
+            <a:r>
+              <a:rPr lang="en-CA" dirty="0"/>
+              <a:t>What you will see … …</a:t>
+            </a:r>
+          </a:p>
+        </p:txBody>
+      </p:sp>
+      <p:sp>
+        <p:nvSpPr>
+          <p:cNvPr id="3" name="Content Placeholder 2">
+            <a:extLst>
+              <a:ext uri="{FF2B5EF4-FFF2-40B4-BE49-F238E27FC236}">
+                <a16:creationId xmlns:a16="http://schemas.microsoft.com/office/drawing/2014/main" id="{9C238741-111E-BCA0-502E-6A29A156C063}"/>
+              </a:ext>
+            </a:extLst>
+          </p:cNvPr>
+          <p:cNvSpPr>
+            <a:spLocks noGrp="1"/>
+          </p:cNvSpPr>
+          <p:nvPr>
+            <p:ph idx="1"/>
+          </p:nvPr>
+        </p:nvSpPr>
+        <p:spPr>
+          <a:xfrm>
+            <a:off x="838201" y="1825625"/>
+            <a:ext cx="5257800" cy="3725169"/>
+          </a:xfrm>
+        </p:spPr>
+        <p:txBody>
+          <a:bodyPr/>
+          <a:lstStyle/>
+          <a:p>
+            <a:r>
+              <a:rPr lang="en-CA" dirty="0"/>
+              <a:t>S.O.L.I.D rules</a:t>
+            </a:r>
+          </a:p>
+          <a:p>
+            <a:r>
+              <a:rPr lang="en-CA" dirty="0"/>
+              <a:t>Design Pattern Overview</a:t>
+            </a:r>
+          </a:p>
+          <a:p>
+            <a:r>
+              <a:rPr lang="en-CA" dirty="0"/>
+              <a:t>Factory Design Pattern</a:t>
+            </a:r>
+          </a:p>
+          <a:p>
+            <a:r>
+              <a:rPr lang="en-CA" dirty="0"/>
+              <a:t>Design a Kindle Reader</a:t>
+            </a:r>
+          </a:p>
+          <a:p>
+            <a:r>
+              <a:rPr lang="en-CA" dirty="0"/>
+              <a:t>…</a:t>
+            </a:r>
+          </a:p>
+          <a:p>
+            <a:endParaRPr lang="en-CA" dirty="0"/>
+          </a:p>
+          <a:p>
+            <a:endParaRPr lang="en-CA" dirty="0"/>
+          </a:p>
+          <a:p>
+            <a:endParaRPr lang="en-CA" dirty="0"/>
+          </a:p>
+        </p:txBody>
+      </p:sp>
+    </p:spTree>
+    <p:extLst>
+      <p:ext uri="{BB962C8B-B14F-4D97-AF65-F5344CB8AC3E}">
+        <p14:creationId xmlns:p14="http://schemas.microsoft.com/office/powerpoint/2010/main" val="2860040806"/>
+      </p:ext>
+    </p:extLst>
+  </p:cSld>
+  <p:clrMapOvr>
+    <a:masterClrMapping/>
+  </p:clrMapOvr>
+</p:sld>
+</file>
+
+<file path=ppt/slides/slide20.xml><?xml version="1.0" encoding="utf-8"?>
 <p:sld xmlns:a="http://schemas.openxmlformats.org/drawingml/2006/main" xmlns:r="http://schemas.openxmlformats.org/officeDocument/2006/relationships" xmlns:p="http://schemas.openxmlformats.org/presentationml/2006/main">
   <p:cSld>
     <p:bg>
@@ -7706,184 +8183,7 @@
 </p:sld>
 </file>
 
-<file path=ppt/slides/slide2.xml><?xml version="1.0" encoding="utf-8"?>
-<p:sld xmlns:a="http://schemas.openxmlformats.org/drawingml/2006/main" xmlns:r="http://schemas.openxmlformats.org/officeDocument/2006/relationships" xmlns:p="http://schemas.openxmlformats.org/presentationml/2006/main">
-  <p:cSld>
-    <p:spTree>
-      <p:nvGrpSpPr>
-        <p:cNvPr id="1" name=""/>
-        <p:cNvGrpSpPr/>
-        <p:nvPr/>
-      </p:nvGrpSpPr>
-      <p:grpSpPr>
-        <a:xfrm>
-          <a:off x="0" y="0"/>
-          <a:ext cx="0" cy="0"/>
-          <a:chOff x="0" y="0"/>
-          <a:chExt cx="0" cy="0"/>
-        </a:xfrm>
-      </p:grpSpPr>
-      <p:sp>
-        <p:nvSpPr>
-          <p:cNvPr id="2" name="Title 1">
-            <a:extLst>
-              <a:ext uri="{FF2B5EF4-FFF2-40B4-BE49-F238E27FC236}">
-                <a16:creationId xmlns:a16="http://schemas.microsoft.com/office/drawing/2014/main" id="{5BAC672A-B040-664D-F834-3911C8CCFF93}"/>
-              </a:ext>
-            </a:extLst>
-          </p:cNvPr>
-          <p:cNvSpPr>
-            <a:spLocks noGrp="1"/>
-          </p:cNvSpPr>
-          <p:nvPr>
-            <p:ph type="title"/>
-          </p:nvPr>
-        </p:nvSpPr>
-        <p:spPr/>
-        <p:txBody>
-          <a:bodyPr/>
-          <a:lstStyle/>
-          <a:p>
-            <a:r>
-              <a:rPr lang="zh-CN" altLang="en-US" dirty="0"/>
-              <a:t>设计模式的六大原则</a:t>
-            </a:r>
-            <a:r>
-              <a:rPr lang="en-CA" altLang="zh-CN" dirty="0"/>
-              <a:t>- S.O.L.I.D</a:t>
-            </a:r>
-            <a:endParaRPr lang="en-CA" dirty="0"/>
-          </a:p>
-        </p:txBody>
-      </p:sp>
-      <p:sp>
-        <p:nvSpPr>
-          <p:cNvPr id="3" name="Content Placeholder 2">
-            <a:extLst>
-              <a:ext uri="{FF2B5EF4-FFF2-40B4-BE49-F238E27FC236}">
-                <a16:creationId xmlns:a16="http://schemas.microsoft.com/office/drawing/2014/main" id="{F9110975-98D8-B0B3-22F0-2514B07CF9A3}"/>
-              </a:ext>
-            </a:extLst>
-          </p:cNvPr>
-          <p:cNvSpPr>
-            <a:spLocks noGrp="1"/>
-          </p:cNvSpPr>
-          <p:nvPr>
-            <p:ph idx="1"/>
-          </p:nvPr>
-        </p:nvSpPr>
-        <p:spPr/>
-        <p:txBody>
-          <a:bodyPr/>
-          <a:lstStyle/>
-          <a:p>
-            <a:r>
-              <a:rPr lang="en-CA" dirty="0"/>
-              <a:t>Single Responsibility Principle </a:t>
-            </a:r>
-            <a:r>
-              <a:rPr lang="zh-CN" altLang="en-US" dirty="0"/>
-              <a:t>单一责任原则</a:t>
-            </a:r>
-            <a:endParaRPr lang="en-CA" altLang="zh-CN" dirty="0"/>
-          </a:p>
-          <a:p>
-            <a:r>
-              <a:rPr lang="en-CA" dirty="0"/>
-              <a:t>Open Close Principle </a:t>
-            </a:r>
-            <a:r>
-              <a:rPr lang="zh-CN" altLang="en-US" dirty="0"/>
-              <a:t>开放封闭原则</a:t>
-            </a:r>
-            <a:endParaRPr lang="en-CA" altLang="zh-CN" dirty="0"/>
-          </a:p>
-          <a:p>
-            <a:r>
-              <a:rPr lang="en-CA" dirty="0"/>
-              <a:t>Liskov Substitution Principle </a:t>
-            </a:r>
-            <a:r>
-              <a:rPr lang="zh-CN" altLang="en-US" dirty="0"/>
-              <a:t>里氏替换原则</a:t>
-            </a:r>
-            <a:endParaRPr lang="en-CA" altLang="zh-CN" dirty="0"/>
-          </a:p>
-          <a:p>
-            <a:r>
-              <a:rPr lang="en-CA" dirty="0"/>
-              <a:t>Interface Segregation Principle </a:t>
-            </a:r>
-            <a:r>
-              <a:rPr lang="zh-CN" altLang="en-US" dirty="0"/>
-              <a:t>接口分离原则</a:t>
-            </a:r>
-            <a:endParaRPr lang="en-CA" altLang="zh-CN" dirty="0"/>
-          </a:p>
-          <a:p>
-            <a:r>
-              <a:rPr lang="en-CA" dirty="0"/>
-              <a:t>Dependency Inversion Principle </a:t>
-            </a:r>
-            <a:r>
-              <a:rPr lang="zh-CN" altLang="en-US" dirty="0"/>
-              <a:t>依赖反转原则</a:t>
-            </a:r>
-          </a:p>
-          <a:p>
-            <a:r>
-              <a:rPr lang="en-CA" altLang="zh-CN" dirty="0"/>
-              <a:t>* </a:t>
-            </a:r>
-            <a:r>
-              <a:rPr lang="zh-CN" altLang="en-US" dirty="0"/>
-              <a:t>迪米特法则（最少知道原则）（</a:t>
-            </a:r>
-            <a:r>
-              <a:rPr lang="en-CA" altLang="zh-CN" dirty="0"/>
-              <a:t>Demeter Principle</a:t>
-            </a:r>
-            <a:r>
-              <a:rPr lang="zh-CN" altLang="en-CA" dirty="0"/>
-              <a:t>）</a:t>
-            </a:r>
-            <a:endParaRPr lang="en-CA" altLang="zh-CN" dirty="0"/>
-          </a:p>
-          <a:p>
-            <a:r>
-              <a:rPr lang="en-CA" altLang="zh-CN" dirty="0"/>
-              <a:t>* </a:t>
-            </a:r>
-            <a:r>
-              <a:rPr lang="zh-CN" altLang="en-US" dirty="0"/>
-              <a:t>合成复用原则（</a:t>
-            </a:r>
-            <a:r>
-              <a:rPr lang="en-CA" altLang="zh-CN" dirty="0"/>
-              <a:t>Composite Reuse Principle</a:t>
-            </a:r>
-            <a:r>
-              <a:rPr lang="zh-CN" altLang="en-CA" dirty="0"/>
-              <a:t>）</a:t>
-            </a:r>
-            <a:endParaRPr lang="zh-CN" altLang="en-US" dirty="0"/>
-          </a:p>
-        </p:txBody>
-      </p:sp>
-    </p:spTree>
-    <p:extLst>
-      <p:ext uri="{BB962C8B-B14F-4D97-AF65-F5344CB8AC3E}">
-        <p14:creationId xmlns:p14="http://schemas.microsoft.com/office/powerpoint/2010/main" val="314576399"/>
-      </p:ext>
-    </p:extLst>
-  </p:cSld>
-  <p:clrMapOvr>
-    <a:masterClrMapping/>
-  </p:clrMapOvr>
-</p:sld>
-</file>
-
-<file path=ppt/slides/slide20.xml><?xml version="1.0" encoding="utf-8"?>
+<file path=ppt/slides/slide21.xml><?xml version="1.0" encoding="utf-8"?>
 <p:sld xmlns:a="http://schemas.openxmlformats.org/drawingml/2006/main" xmlns:r="http://schemas.openxmlformats.org/officeDocument/2006/relationships" xmlns:p="http://schemas.openxmlformats.org/presentationml/2006/main">
   <p:cSld>
     <p:spTree>
@@ -8197,7 +8497,7 @@
 </p:sld>
 </file>
 
-<file path=ppt/slides/slide21.xml><?xml version="1.0" encoding="utf-8"?>
+<file path=ppt/slides/slide22.xml><?xml version="1.0" encoding="utf-8"?>
 <p:sld xmlns:a="http://schemas.openxmlformats.org/drawingml/2006/main" xmlns:r="http://schemas.openxmlformats.org/officeDocument/2006/relationships" xmlns:p="http://schemas.openxmlformats.org/presentationml/2006/main">
   <p:cSld>
     <p:bg>
@@ -8885,7 +9185,7 @@
 </p:sld>
 </file>
 
-<file path=ppt/slides/slide22.xml><?xml version="1.0" encoding="utf-8"?>
+<file path=ppt/slides/slide23.xml><?xml version="1.0" encoding="utf-8"?>
 <p:sld xmlns:a="http://schemas.openxmlformats.org/drawingml/2006/main" xmlns:r="http://schemas.openxmlformats.org/officeDocument/2006/relationships" xmlns:p="http://schemas.openxmlformats.org/presentationml/2006/main">
   <p:cSld>
     <p:spTree>
@@ -9263,7 +9563,7 @@
 </p:sld>
 </file>
 
-<file path=ppt/slides/slide23.xml><?xml version="1.0" encoding="utf-8"?>
+<file path=ppt/slides/slide24.xml><?xml version="1.0" encoding="utf-8"?>
 <p:sld xmlns:a="http://schemas.openxmlformats.org/drawingml/2006/main" xmlns:r="http://schemas.openxmlformats.org/officeDocument/2006/relationships" xmlns:p="http://schemas.openxmlformats.org/presentationml/2006/main">
   <p:cSld>
     <p:spTree>
@@ -9394,7 +9694,7 @@
 </p:sld>
 </file>
 
-<file path=ppt/slides/slide24.xml><?xml version="1.0" encoding="utf-8"?>
+<file path=ppt/slides/slide25.xml><?xml version="1.0" encoding="utf-8"?>
 <p:sld xmlns:a="http://schemas.openxmlformats.org/drawingml/2006/main" xmlns:r="http://schemas.openxmlformats.org/officeDocument/2006/relationships" xmlns:p="http://schemas.openxmlformats.org/presentationml/2006/main">
   <p:cSld>
     <p:spTree>
@@ -9484,7 +9784,7 @@
 </p:sld>
 </file>
 
-<file path=ppt/slides/slide25.xml><?xml version="1.0" encoding="utf-8"?>
+<file path=ppt/slides/slide26.xml><?xml version="1.0" encoding="utf-8"?>
 <p:sld xmlns:a="http://schemas.openxmlformats.org/drawingml/2006/main" xmlns:r="http://schemas.openxmlformats.org/officeDocument/2006/relationships" xmlns:p="http://schemas.openxmlformats.org/presentationml/2006/main">
   <p:cSld>
     <p:bg>
@@ -10104,7 +10404,7 @@
 </p:sld>
 </file>
 
-<file path=ppt/slides/slide26.xml><?xml version="1.0" encoding="utf-8"?>
+<file path=ppt/slides/slide27.xml><?xml version="1.0" encoding="utf-8"?>
 <p:sld xmlns:a="http://schemas.openxmlformats.org/drawingml/2006/main" xmlns:r="http://schemas.openxmlformats.org/officeDocument/2006/relationships" xmlns:p="http://schemas.openxmlformats.org/presentationml/2006/main">
   <p:cSld>
     <p:spTree>
@@ -10231,6 +10531,183 @@
 </file>
 
 <file path=ppt/slides/slide3.xml><?xml version="1.0" encoding="utf-8"?>
+<p:sld xmlns:a="http://schemas.openxmlformats.org/drawingml/2006/main" xmlns:r="http://schemas.openxmlformats.org/officeDocument/2006/relationships" xmlns:p="http://schemas.openxmlformats.org/presentationml/2006/main">
+  <p:cSld>
+    <p:spTree>
+      <p:nvGrpSpPr>
+        <p:cNvPr id="1" name=""/>
+        <p:cNvGrpSpPr/>
+        <p:nvPr/>
+      </p:nvGrpSpPr>
+      <p:grpSpPr>
+        <a:xfrm>
+          <a:off x="0" y="0"/>
+          <a:ext cx="0" cy="0"/>
+          <a:chOff x="0" y="0"/>
+          <a:chExt cx="0" cy="0"/>
+        </a:xfrm>
+      </p:grpSpPr>
+      <p:sp>
+        <p:nvSpPr>
+          <p:cNvPr id="2" name="Title 1">
+            <a:extLst>
+              <a:ext uri="{FF2B5EF4-FFF2-40B4-BE49-F238E27FC236}">
+                <a16:creationId xmlns:a16="http://schemas.microsoft.com/office/drawing/2014/main" id="{5BAC672A-B040-664D-F834-3911C8CCFF93}"/>
+              </a:ext>
+            </a:extLst>
+          </p:cNvPr>
+          <p:cNvSpPr>
+            <a:spLocks noGrp="1"/>
+          </p:cNvSpPr>
+          <p:nvPr>
+            <p:ph type="title"/>
+          </p:nvPr>
+        </p:nvSpPr>
+        <p:spPr/>
+        <p:txBody>
+          <a:bodyPr/>
+          <a:lstStyle/>
+          <a:p>
+            <a:r>
+              <a:rPr lang="zh-CN" altLang="en-US" dirty="0"/>
+              <a:t>设计模式的六大原则</a:t>
+            </a:r>
+            <a:r>
+              <a:rPr lang="en-CA" altLang="zh-CN" dirty="0"/>
+              <a:t>- S.O.L.I.D</a:t>
+            </a:r>
+            <a:endParaRPr lang="en-CA" dirty="0"/>
+          </a:p>
+        </p:txBody>
+      </p:sp>
+      <p:sp>
+        <p:nvSpPr>
+          <p:cNvPr id="3" name="Content Placeholder 2">
+            <a:extLst>
+              <a:ext uri="{FF2B5EF4-FFF2-40B4-BE49-F238E27FC236}">
+                <a16:creationId xmlns:a16="http://schemas.microsoft.com/office/drawing/2014/main" id="{F9110975-98D8-B0B3-22F0-2514B07CF9A3}"/>
+              </a:ext>
+            </a:extLst>
+          </p:cNvPr>
+          <p:cNvSpPr>
+            <a:spLocks noGrp="1"/>
+          </p:cNvSpPr>
+          <p:nvPr>
+            <p:ph idx="1"/>
+          </p:nvPr>
+        </p:nvSpPr>
+        <p:spPr/>
+        <p:txBody>
+          <a:bodyPr/>
+          <a:lstStyle/>
+          <a:p>
+            <a:r>
+              <a:rPr lang="en-CA" dirty="0"/>
+              <a:t>Single Responsibility Principle </a:t>
+            </a:r>
+            <a:r>
+              <a:rPr lang="zh-CN" altLang="en-US" dirty="0"/>
+              <a:t>单一责任原则</a:t>
+            </a:r>
+            <a:endParaRPr lang="en-CA" altLang="zh-CN" dirty="0"/>
+          </a:p>
+          <a:p>
+            <a:r>
+              <a:rPr lang="en-CA" dirty="0"/>
+              <a:t>Open Close Principle </a:t>
+            </a:r>
+            <a:r>
+              <a:rPr lang="zh-CN" altLang="en-US" dirty="0"/>
+              <a:t>开放封闭原则</a:t>
+            </a:r>
+            <a:endParaRPr lang="en-CA" altLang="zh-CN" dirty="0"/>
+          </a:p>
+          <a:p>
+            <a:r>
+              <a:rPr lang="en-CA" dirty="0"/>
+              <a:t>Liskov Substitution Principle </a:t>
+            </a:r>
+            <a:r>
+              <a:rPr lang="zh-CN" altLang="en-US" dirty="0"/>
+              <a:t>里氏替换原则</a:t>
+            </a:r>
+            <a:endParaRPr lang="en-CA" altLang="zh-CN" dirty="0"/>
+          </a:p>
+          <a:p>
+            <a:r>
+              <a:rPr lang="en-CA" dirty="0"/>
+              <a:t>Interface Segregation Principle </a:t>
+            </a:r>
+            <a:r>
+              <a:rPr lang="zh-CN" altLang="en-US" dirty="0"/>
+              <a:t>接口分离原则</a:t>
+            </a:r>
+            <a:endParaRPr lang="en-CA" altLang="zh-CN" dirty="0"/>
+          </a:p>
+          <a:p>
+            <a:r>
+              <a:rPr lang="en-CA" dirty="0"/>
+              <a:t>Dependency Inversion Principle </a:t>
+            </a:r>
+            <a:r>
+              <a:rPr lang="zh-CN" altLang="en-US" dirty="0"/>
+              <a:t>依赖反转原则</a:t>
+            </a:r>
+          </a:p>
+          <a:p>
+            <a:r>
+              <a:rPr lang="en-CA" altLang="zh-CN" dirty="0"/>
+              <a:t>* </a:t>
+            </a:r>
+            <a:r>
+              <a:rPr lang="zh-CN" altLang="en-US" dirty="0"/>
+              <a:t>迪米特法则（最少知道原则）（</a:t>
+            </a:r>
+            <a:r>
+              <a:rPr lang="en-CA" altLang="zh-CN" dirty="0"/>
+              <a:t>Demeter Principle</a:t>
+            </a:r>
+            <a:r>
+              <a:rPr lang="zh-CN" altLang="en-CA" dirty="0"/>
+              <a:t>）</a:t>
+            </a:r>
+            <a:endParaRPr lang="en-CA" altLang="zh-CN" dirty="0"/>
+          </a:p>
+          <a:p>
+            <a:r>
+              <a:rPr lang="en-CA" altLang="zh-CN" dirty="0"/>
+              <a:t>* </a:t>
+            </a:r>
+            <a:r>
+              <a:rPr lang="zh-CN" altLang="en-US" dirty="0"/>
+              <a:t>合成复用原则（</a:t>
+            </a:r>
+            <a:r>
+              <a:rPr lang="en-CA" altLang="zh-CN" dirty="0"/>
+              <a:t>Composite Reuse Principle</a:t>
+            </a:r>
+            <a:r>
+              <a:rPr lang="zh-CN" altLang="en-CA" dirty="0"/>
+              <a:t>）</a:t>
+            </a:r>
+            <a:endParaRPr lang="zh-CN" altLang="en-US" dirty="0"/>
+          </a:p>
+        </p:txBody>
+      </p:sp>
+    </p:spTree>
+    <p:extLst>
+      <p:ext uri="{BB962C8B-B14F-4D97-AF65-F5344CB8AC3E}">
+        <p14:creationId xmlns:p14="http://schemas.microsoft.com/office/powerpoint/2010/main" val="314576399"/>
+      </p:ext>
+    </p:extLst>
+  </p:cSld>
+  <p:clrMapOvr>
+    <a:masterClrMapping/>
+  </p:clrMapOvr>
+</p:sld>
+</file>
+
+<file path=ppt/slides/slide4.xml><?xml version="1.0" encoding="utf-8"?>
 <p:sld xmlns:a="http://schemas.openxmlformats.org/drawingml/2006/main" xmlns:r="http://schemas.openxmlformats.org/officeDocument/2006/relationships" xmlns:p="http://schemas.openxmlformats.org/presentationml/2006/main">
   <p:cSld>
     <p:bg>
@@ -13294,7 +13771,7 @@
 </p:sld>
 </file>
 
-<file path=ppt/slides/slide4.xml><?xml version="1.0" encoding="utf-8"?>
+<file path=ppt/slides/slide5.xml><?xml version="1.0" encoding="utf-8"?>
 <p:sld xmlns:a="http://schemas.openxmlformats.org/drawingml/2006/main" xmlns:r="http://schemas.openxmlformats.org/officeDocument/2006/relationships" xmlns:p="http://schemas.openxmlformats.org/presentationml/2006/main">
   <p:cSld>
     <p:spTree>
@@ -13483,7 +13960,7 @@
 </p:sld>
 </file>
 
-<file path=ppt/slides/slide5.xml><?xml version="1.0" encoding="utf-8"?>
+<file path=ppt/slides/slide6.xml><?xml version="1.0" encoding="utf-8"?>
 <p:sld xmlns:a="http://schemas.openxmlformats.org/drawingml/2006/main" xmlns:r="http://schemas.openxmlformats.org/officeDocument/2006/relationships" xmlns:p="http://schemas.openxmlformats.org/presentationml/2006/main">
   <p:cSld>
     <p:spTree>
@@ -13638,7 +14115,7 @@
 </p:sld>
 </file>
 
-<file path=ppt/slides/slide6.xml><?xml version="1.0" encoding="utf-8"?>
+<file path=ppt/slides/slide7.xml><?xml version="1.0" encoding="utf-8"?>
 <p:sld xmlns:a="http://schemas.openxmlformats.org/drawingml/2006/main" xmlns:r="http://schemas.openxmlformats.org/officeDocument/2006/relationships" xmlns:p="http://schemas.openxmlformats.org/presentationml/2006/main">
   <p:cSld>
     <p:bg>
@@ -14311,7 +14788,7 @@
 </p:sld>
 </file>
 
-<file path=ppt/slides/slide7.xml><?xml version="1.0" encoding="utf-8"?>
+<file path=ppt/slides/slide8.xml><?xml version="1.0" encoding="utf-8"?>
 <p:sld xmlns:a="http://schemas.openxmlformats.org/drawingml/2006/main" xmlns:r="http://schemas.openxmlformats.org/officeDocument/2006/relationships" xmlns:p="http://schemas.openxmlformats.org/presentationml/2006/main">
   <p:cSld>
     <p:bg>
@@ -15236,7 +15713,7 @@
 </p:sld>
 </file>
 
-<file path=ppt/slides/slide8.xml><?xml version="1.0" encoding="utf-8"?>
+<file path=ppt/slides/slide9.xml><?xml version="1.0" encoding="utf-8"?>
 <p:sld xmlns:a="http://schemas.openxmlformats.org/drawingml/2006/main" xmlns:r="http://schemas.openxmlformats.org/officeDocument/2006/relationships" xmlns:p="http://schemas.openxmlformats.org/presentationml/2006/main">
   <p:cSld>
     <p:bg>
@@ -15955,191 +16432,6 @@
     <p:extLst>
       <p:ext uri="{BB962C8B-B14F-4D97-AF65-F5344CB8AC3E}">
         <p14:creationId xmlns:p14="http://schemas.microsoft.com/office/powerpoint/2010/main" val="755201050"/>
-      </p:ext>
-    </p:extLst>
-  </p:cSld>
-  <p:clrMapOvr>
-    <a:masterClrMapping/>
-  </p:clrMapOvr>
-</p:sld>
-</file>
-
-<file path=ppt/slides/slide9.xml><?xml version="1.0" encoding="utf-8"?>
-<p:sld xmlns:a="http://schemas.openxmlformats.org/drawingml/2006/main" xmlns:r="http://schemas.openxmlformats.org/officeDocument/2006/relationships" xmlns:p="http://schemas.openxmlformats.org/presentationml/2006/main">
-  <p:cSld>
-    <p:spTree>
-      <p:nvGrpSpPr>
-        <p:cNvPr id="1" name=""/>
-        <p:cNvGrpSpPr/>
-        <p:nvPr/>
-      </p:nvGrpSpPr>
-      <p:grpSpPr>
-        <a:xfrm>
-          <a:off x="0" y="0"/>
-          <a:ext cx="0" cy="0"/>
-          <a:chOff x="0" y="0"/>
-          <a:chExt cx="0" cy="0"/>
-        </a:xfrm>
-      </p:grpSpPr>
-      <p:sp>
-        <p:nvSpPr>
-          <p:cNvPr id="2" name="TextBox 1">
-            <a:extLst>
-              <a:ext uri="{FF2B5EF4-FFF2-40B4-BE49-F238E27FC236}">
-                <a16:creationId xmlns:a16="http://schemas.microsoft.com/office/drawing/2014/main" id="{09A01E4F-6237-564C-CB13-E8B908363571}"/>
-              </a:ext>
-            </a:extLst>
-          </p:cNvPr>
-          <p:cNvSpPr txBox="1"/>
-          <p:nvPr/>
-        </p:nvSpPr>
-        <p:spPr>
-          <a:xfrm>
-            <a:off x="1667435" y="903642"/>
-            <a:ext cx="9184341" cy="1754326"/>
-          </a:xfrm>
-          <a:prstGeom prst="rect">
-            <a:avLst/>
-          </a:prstGeom>
-          <a:noFill/>
-        </p:spPr>
-        <p:txBody>
-          <a:bodyPr wrap="square" rtlCol="0">
-            <a:spAutoFit/>
-          </a:bodyPr>
-          <a:lstStyle/>
-          <a:p>
-            <a:pPr marL="285750" indent="-285750">
-              <a:buFont typeface="Arial" panose="020B0604020202020204" pitchFamily="34" charset="0"/>
-              <a:buChar char="•"/>
-            </a:pPr>
-            <a:r>
-              <a:rPr lang="zh-CN" altLang="en-US" sz="3600" dirty="0"/>
-              <a:t>解决方案：建立 </a:t>
-            </a:r>
-            <a:r>
-              <a:rPr lang="zh-CN" altLang="en-US" sz="3600" b="1" dirty="0"/>
-              <a:t>立体图形类 </a:t>
-            </a:r>
-            <a:r>
-              <a:rPr lang="zh-CN" altLang="en-US" sz="3600" dirty="0"/>
-              <a:t>和 </a:t>
-            </a:r>
-            <a:r>
-              <a:rPr lang="zh-CN" altLang="en-US" sz="3600" b="1" dirty="0"/>
-              <a:t>平面图形类</a:t>
-            </a:r>
-            <a:endParaRPr lang="en-CA" altLang="zh-CN" sz="3600" b="1" dirty="0"/>
-          </a:p>
-          <a:p>
-            <a:pPr marL="742950" lvl="1" indent="-285750">
-              <a:buFont typeface="Arial" panose="020B0604020202020204" pitchFamily="34" charset="0"/>
-              <a:buChar char="•"/>
-            </a:pPr>
-            <a:r>
-              <a:rPr lang="zh-CN" altLang="en-US" sz="3600" dirty="0"/>
-              <a:t>不用怕父类定义的多</a:t>
-            </a:r>
-            <a:endParaRPr lang="en-CA" altLang="zh-CN" sz="3600" dirty="0"/>
-          </a:p>
-          <a:p>
-            <a:pPr marL="742950" lvl="1" indent="-285750">
-              <a:buFont typeface="Arial" panose="020B0604020202020204" pitchFamily="34" charset="0"/>
-              <a:buChar char="•"/>
-            </a:pPr>
-            <a:endParaRPr lang="en-CA" sz="3600" b="1" dirty="0"/>
-          </a:p>
-        </p:txBody>
-      </p:sp>
-      <p:sp>
-        <p:nvSpPr>
-          <p:cNvPr id="3" name="Rectangle 2">
-            <a:extLst>
-              <a:ext uri="{FF2B5EF4-FFF2-40B4-BE49-F238E27FC236}">
-                <a16:creationId xmlns:a16="http://schemas.microsoft.com/office/drawing/2014/main" id="{DB6D8EAA-CD1B-4A41-C2E1-9F66982510C3}"/>
-              </a:ext>
-            </a:extLst>
-          </p:cNvPr>
-          <p:cNvSpPr/>
-          <p:nvPr/>
-        </p:nvSpPr>
-        <p:spPr>
-          <a:xfrm>
-            <a:off x="2194931" y="3957038"/>
-            <a:ext cx="7802137" cy="923330"/>
-          </a:xfrm>
-          <a:prstGeom prst="rect">
-            <a:avLst/>
-          </a:prstGeom>
-          <a:noFill/>
-        </p:spPr>
-        <p:txBody>
-          <a:bodyPr wrap="none" lIns="91440" tIns="45720" rIns="91440" bIns="45720">
-            <a:spAutoFit/>
-          </a:bodyPr>
-          <a:lstStyle/>
-          <a:p>
-            <a:pPr algn="ctr"/>
-            <a:r>
-              <a:rPr lang="zh-CN" altLang="en-US" sz="5400" dirty="0">
-                <a:ln w="0"/>
-                <a:gradFill>
-                  <a:gsLst>
-                    <a:gs pos="0">
-                      <a:schemeClr val="accent5">
-                        <a:lumMod val="50000"/>
-                      </a:schemeClr>
-                    </a:gs>
-                    <a:gs pos="50000">
-                      <a:schemeClr val="accent5"/>
-                    </a:gs>
-                    <a:gs pos="100000">
-                      <a:schemeClr val="accent5">
-                        <a:lumMod val="60000"/>
-                        <a:lumOff val="40000"/>
-                      </a:schemeClr>
-                    </a:gs>
-                  </a:gsLst>
-                  <a:lin ang="5400000"/>
-                </a:gradFill>
-                <a:effectLst>
-                  <a:reflection blurRad="6350" stA="53000" endA="300" endPos="35500" dir="5400000" sy="-90000" algn="bl" rotWithShape="0"/>
-                </a:effectLst>
-              </a:rPr>
-              <a:t>能不能再举一个例子呢？</a:t>
-            </a:r>
-            <a:endParaRPr lang="en-US" sz="5400" b="0" cap="none" spc="0" dirty="0">
-              <a:ln w="0"/>
-              <a:gradFill>
-                <a:gsLst>
-                  <a:gs pos="0">
-                    <a:schemeClr val="accent5">
-                      <a:lumMod val="50000"/>
-                    </a:schemeClr>
-                  </a:gs>
-                  <a:gs pos="50000">
-                    <a:schemeClr val="accent5"/>
-                  </a:gs>
-                  <a:gs pos="100000">
-                    <a:schemeClr val="accent5">
-                      <a:lumMod val="60000"/>
-                      <a:lumOff val="40000"/>
-                    </a:schemeClr>
-                  </a:gs>
-                </a:gsLst>
-                <a:lin ang="5400000"/>
-              </a:gradFill>
-              <a:effectLst>
-                <a:reflection blurRad="6350" stA="53000" endA="300" endPos="35500" dir="5400000" sy="-90000" algn="bl" rotWithShape="0"/>
-              </a:effectLst>
-            </a:endParaRPr>
-          </a:p>
-        </p:txBody>
-      </p:sp>
-    </p:spTree>
-    <p:extLst>
-      <p:ext uri="{BB962C8B-B14F-4D97-AF65-F5344CB8AC3E}">
-        <p14:creationId xmlns:p14="http://schemas.microsoft.com/office/powerpoint/2010/main" val="1231202972"/>
       </p:ext>
     </p:extLst>
   </p:cSld>
